--- a/07-yaml/example-yaml.pptx
+++ b/07-yaml/example-yaml.pptx
@@ -3020,8 +3020,8 @@
         </p:nvSpPr>
         <p:spPr>
           <a:xfrm>
-            <a:off x="685800" y="2130425"/>
-            <a:ext cx="7772400" cy="1470025"/>
+            <a:off x="1524000" y="1122363"/>
+            <a:ext cx="9144000" cy="2387600"/>
           </a:xfrm>
         </p:spPr>
         <p:txBody>
@@ -3033,7 +3033,7 @@
             </a:pPr>
             <a:r>
               <a:rPr/>
-              <a:t>Untitled</a:t>
+              <a:t>PowerPoint</a:t>
             </a:r>
           </a:p>
         </p:txBody>
@@ -3050,8 +3050,8 @@
         </p:nvSpPr>
         <p:spPr>
           <a:xfrm>
-            <a:off x="1371600" y="3886200"/>
-            <a:ext cx="6400800" cy="1752600"/>
+            <a:off x="1524000" y="3602038"/>
+            <a:ext cx="9144000" cy="1655762"/>
           </a:xfrm>
         </p:spPr>
         <p:txBody>
@@ -3100,8 +3100,8 @@
         </p:nvSpPr>
         <p:spPr>
           <a:xfrm>
-            <a:off x="722313" y="4406900"/>
-            <a:ext cx="7772400" cy="1362075"/>
+            <a:off x="831850" y="1709738"/>
+            <a:ext cx="10515600" cy="2852737"/>
           </a:xfrm>
         </p:spPr>
         <p:txBody>
